--- a/presentation/模型相似度与关联维的数据挖据.pptx
+++ b/presentation/模型相似度与关联维的数据挖据.pptx
@@ -213,7 +213,7 @@
           <a:p>
             <a:fld id="{F8C6AD23-6379-42A2-BAFF-637177AA39F5}" type="datetimeFigureOut">
               <a:rPr lang="zh-CN" altLang="en-US" smtClean="0"/>
-              <a:t>2016/10/10</a:t>
+              <a:t>2016/11/2</a:t>
             </a:fld>
             <a:endParaRPr lang="zh-CN" altLang="en-US"/>
           </a:p>
@@ -703,7 +703,6 @@
               <a:rPr lang="zh-CN" altLang="en-US" noProof="0" smtClean="0"/>
               <a:t>单击此处编辑母版标题样式</a:t>
             </a:r>
-            <a:endParaRPr lang="zh-CN" altLang="en-US" noProof="0" smtClean="0"/>
           </a:p>
         </p:txBody>
       </p:sp>
@@ -738,7 +737,6 @@
               <a:rPr lang="zh-CN" altLang="en-US" noProof="0" smtClean="0"/>
               <a:t>单击此处编辑母版副标题样式</a:t>
             </a:r>
-            <a:endParaRPr lang="zh-CN" altLang="en-US" noProof="0" smtClean="0"/>
           </a:p>
         </p:txBody>
       </p:sp>
@@ -763,7 +761,7 @@
           <a:p>
             <a:fld id="{F49529B3-AE67-48C7-B33A-34C2DC5F2CAF}" type="datetimeFigureOut">
               <a:rPr lang="zh-CN" altLang="en-US" smtClean="0"/>
-              <a:t>2016/10/10</a:t>
+              <a:t>2016/11/2</a:t>
             </a:fld>
             <a:endParaRPr lang="zh-CN" altLang="en-US"/>
           </a:p>
@@ -947,7 +945,7 @@
           <a:p>
             <a:fld id="{F49529B3-AE67-48C7-B33A-34C2DC5F2CAF}" type="datetimeFigureOut">
               <a:rPr lang="zh-CN" altLang="en-US" smtClean="0"/>
-              <a:t>2016/10/10</a:t>
+              <a:t>2016/11/2</a:t>
             </a:fld>
             <a:endParaRPr lang="zh-CN" altLang="en-US"/>
           </a:p>
@@ -1145,7 +1143,7 @@
           <a:p>
             <a:fld id="{F49529B3-AE67-48C7-B33A-34C2DC5F2CAF}" type="datetimeFigureOut">
               <a:rPr lang="zh-CN" altLang="en-US" smtClean="0"/>
-              <a:t>2016/10/10</a:t>
+              <a:t>2016/11/2</a:t>
             </a:fld>
             <a:endParaRPr lang="zh-CN" altLang="en-US"/>
           </a:p>
@@ -1457,7 +1455,7 @@
           <a:p>
             <a:fld id="{F49529B3-AE67-48C7-B33A-34C2DC5F2CAF}" type="datetimeFigureOut">
               <a:rPr lang="zh-CN" altLang="en-US" smtClean="0"/>
-              <a:t>2016/10/10</a:t>
+              <a:t>2016/11/2</a:t>
             </a:fld>
             <a:endParaRPr lang="zh-CN" altLang="en-US"/>
           </a:p>
@@ -1712,7 +1710,7 @@
           <a:p>
             <a:fld id="{F49529B3-AE67-48C7-B33A-34C2DC5F2CAF}" type="datetimeFigureOut">
               <a:rPr lang="zh-CN" altLang="en-US" smtClean="0"/>
-              <a:t>2016/10/10</a:t>
+              <a:t>2016/11/2</a:t>
             </a:fld>
             <a:endParaRPr lang="zh-CN" altLang="en-US"/>
           </a:p>
@@ -1966,7 +1964,7 @@
           <a:p>
             <a:fld id="{564CB40B-C52D-4749-9FC0-EB6C1BEB07E7}" type="datetime1">
               <a:rPr lang="zh-CN" altLang="en-US" smtClean="0"/>
-              <a:t>2016/10/10</a:t>
+              <a:t>2016/11/2</a:t>
             </a:fld>
             <a:endParaRPr lang="zh-CN" altLang="en-US"/>
           </a:p>
@@ -2137,7 +2135,7 @@
           <a:p>
             <a:fld id="{07D5B4DC-21B6-4A40-B8C1-ABF6980F4070}" type="datetime1">
               <a:rPr lang="zh-CN" altLang="en-US" smtClean="0"/>
-              <a:t>2016/10/10</a:t>
+              <a:t>2016/11/2</a:t>
             </a:fld>
             <a:endParaRPr lang="zh-CN" altLang="en-US"/>
           </a:p>
@@ -2384,7 +2382,7 @@
           <a:p>
             <a:fld id="{E3B21BE3-E198-4B63-BEBD-F001681E0E92}" type="datetime1">
               <a:rPr lang="zh-CN" altLang="en-US" smtClean="0"/>
-              <a:t>2016/10/10</a:t>
+              <a:t>2016/11/2</a:t>
             </a:fld>
             <a:endParaRPr lang="zh-CN" altLang="en-US"/>
           </a:p>
@@ -2673,7 +2671,7 @@
           <a:p>
             <a:fld id="{97DA884C-8C68-4872-85A9-70EC8F717416}" type="datetime1">
               <a:rPr lang="zh-CN" altLang="en-US" smtClean="0"/>
-              <a:t>2016/10/10</a:t>
+              <a:t>2016/11/2</a:t>
             </a:fld>
             <a:endParaRPr lang="zh-CN" altLang="en-US"/>
           </a:p>
@@ -3096,7 +3094,7 @@
           <a:p>
             <a:fld id="{50E5CC9E-0C6D-4365-B76A-F07D93AF1347}" type="datetime1">
               <a:rPr lang="zh-CN" altLang="en-US" smtClean="0"/>
-              <a:t>2016/10/10</a:t>
+              <a:t>2016/11/2</a:t>
             </a:fld>
             <a:endParaRPr lang="zh-CN" altLang="en-US"/>
           </a:p>
@@ -3215,7 +3213,7 @@
           <a:p>
             <a:fld id="{0A28D686-2631-43FA-8D85-E722FB955452}" type="datetime1">
               <a:rPr lang="zh-CN" altLang="en-US" smtClean="0"/>
-              <a:t>2016/10/10</a:t>
+              <a:t>2016/11/2</a:t>
             </a:fld>
             <a:endParaRPr lang="zh-CN" altLang="en-US"/>
           </a:p>
@@ -3392,7 +3390,7 @@
           <a:p>
             <a:fld id="{F49529B3-AE67-48C7-B33A-34C2DC5F2CAF}" type="datetimeFigureOut">
               <a:rPr lang="zh-CN" altLang="en-US" smtClean="0"/>
-              <a:t>2016/10/10</a:t>
+              <a:t>2016/11/2</a:t>
             </a:fld>
             <a:endParaRPr lang="zh-CN" altLang="en-US"/>
           </a:p>
@@ -3499,7 +3497,7 @@
           <a:p>
             <a:fld id="{307A4A43-4C76-44EE-AA96-452B9E8B0342}" type="datetime1">
               <a:rPr lang="zh-CN" altLang="en-US" smtClean="0"/>
-              <a:t>2016/10/10</a:t>
+              <a:t>2016/11/2</a:t>
             </a:fld>
             <a:endParaRPr lang="zh-CN" altLang="en-US"/>
           </a:p>
@@ -3777,7 +3775,7 @@
           <a:p>
             <a:fld id="{6EE3D7D4-6F39-4765-97DC-8565B7552ECD}" type="datetime1">
               <a:rPr lang="zh-CN" altLang="en-US" smtClean="0"/>
-              <a:t>2016/10/10</a:t>
+              <a:t>2016/11/2</a:t>
             </a:fld>
             <a:endParaRPr lang="zh-CN" altLang="en-US"/>
           </a:p>
@@ -4035,7 +4033,7 @@
           <a:p>
             <a:fld id="{98274F43-C703-47FA-B732-F51F40E01B1D}" type="datetime1">
               <a:rPr lang="zh-CN" altLang="en-US" smtClean="0"/>
-              <a:t>2016/10/10</a:t>
+              <a:t>2016/11/2</a:t>
             </a:fld>
             <a:endParaRPr lang="zh-CN" altLang="en-US"/>
           </a:p>
@@ -4206,7 +4204,7 @@
           <a:p>
             <a:fld id="{48F371A6-7E0D-4B3D-838E-F8C24A255F29}" type="datetime1">
               <a:rPr lang="zh-CN" altLang="en-US" smtClean="0"/>
-              <a:t>2016/10/10</a:t>
+              <a:t>2016/11/2</a:t>
             </a:fld>
             <a:endParaRPr lang="zh-CN" altLang="en-US"/>
           </a:p>
@@ -4387,7 +4385,7 @@
           <a:p>
             <a:fld id="{1AEC66FF-2FE5-4157-8A1B-8CB6ADB8F3AD}" type="datetime1">
               <a:rPr lang="zh-CN" altLang="en-US" smtClean="0"/>
-              <a:t>2016/10/10</a:t>
+              <a:t>2016/11/2</a:t>
             </a:fld>
             <a:endParaRPr lang="zh-CN" altLang="en-US"/>
           </a:p>
@@ -4586,7 +4584,7 @@
           <a:p>
             <a:fld id="{F49529B3-AE67-48C7-B33A-34C2DC5F2CAF}" type="datetimeFigureOut">
               <a:rPr lang="zh-CN" altLang="en-US" smtClean="0"/>
-              <a:t>2016/10/10</a:t>
+              <a:t>2016/11/2</a:t>
             </a:fld>
             <a:endParaRPr lang="zh-CN" altLang="en-US"/>
           </a:p>
@@ -4892,7 +4890,7 @@
           <a:p>
             <a:fld id="{F49529B3-AE67-48C7-B33A-34C2DC5F2CAF}" type="datetimeFigureOut">
               <a:rPr lang="zh-CN" altLang="en-US" smtClean="0"/>
-              <a:t>2016/10/10</a:t>
+              <a:t>2016/11/2</a:t>
             </a:fld>
             <a:endParaRPr lang="zh-CN" altLang="en-US"/>
           </a:p>
@@ -5337,7 +5335,7 @@
           <a:p>
             <a:fld id="{F49529B3-AE67-48C7-B33A-34C2DC5F2CAF}" type="datetimeFigureOut">
               <a:rPr lang="zh-CN" altLang="en-US" smtClean="0"/>
-              <a:t>2016/10/10</a:t>
+              <a:t>2016/11/2</a:t>
             </a:fld>
             <a:endParaRPr lang="zh-CN" altLang="en-US"/>
           </a:p>
@@ -5473,7 +5471,7 @@
           <a:p>
             <a:fld id="{F49529B3-AE67-48C7-B33A-34C2DC5F2CAF}" type="datetimeFigureOut">
               <a:rPr lang="zh-CN" altLang="en-US" smtClean="0"/>
-              <a:t>2016/10/10</a:t>
+              <a:t>2016/11/2</a:t>
             </a:fld>
             <a:endParaRPr lang="zh-CN" altLang="en-US"/>
           </a:p>
@@ -5586,7 +5584,7 @@
           <a:p>
             <a:fld id="{F49529B3-AE67-48C7-B33A-34C2DC5F2CAF}" type="datetimeFigureOut">
               <a:rPr lang="zh-CN" altLang="en-US" smtClean="0"/>
-              <a:t>2016/10/10</a:t>
+              <a:t>2016/11/2</a:t>
             </a:fld>
             <a:endParaRPr lang="zh-CN" altLang="en-US"/>
           </a:p>
@@ -5881,7 +5879,7 @@
           <a:p>
             <a:fld id="{F49529B3-AE67-48C7-B33A-34C2DC5F2CAF}" type="datetimeFigureOut">
               <a:rPr lang="zh-CN" altLang="en-US" smtClean="0"/>
-              <a:t>2016/10/10</a:t>
+              <a:t>2016/11/2</a:t>
             </a:fld>
             <a:endParaRPr lang="zh-CN" altLang="en-US"/>
           </a:p>
@@ -6065,7 +6063,6 @@
               <a:rPr lang="zh-CN" altLang="en-US" noProof="0" smtClean="0"/>
               <a:t>单击图标添加图片</a:t>
             </a:r>
-            <a:endParaRPr lang="zh-CN" altLang="en-US" noProof="0" smtClean="0"/>
           </a:p>
         </p:txBody>
       </p:sp>
@@ -6157,7 +6154,7 @@
           <a:p>
             <a:fld id="{F49529B3-AE67-48C7-B33A-34C2DC5F2CAF}" type="datetimeFigureOut">
               <a:rPr lang="zh-CN" altLang="en-US" smtClean="0"/>
-              <a:t>2016/10/10</a:t>
+              <a:t>2016/11/2</a:t>
             </a:fld>
             <a:endParaRPr lang="zh-CN" altLang="en-US"/>
           </a:p>
@@ -6411,7 +6408,7 @@
           <a:p>
             <a:fld id="{F49529B3-AE67-48C7-B33A-34C2DC5F2CAF}" type="datetimeFigureOut">
               <a:rPr lang="zh-CN" altLang="en-US" smtClean="0"/>
-              <a:t>2016/10/10</a:t>
+              <a:t>2016/11/2</a:t>
             </a:fld>
             <a:endParaRPr lang="zh-CN" altLang="en-US"/>
           </a:p>
@@ -7220,7 +7217,7 @@
           <a:p>
             <a:fld id="{0C7F9C8A-BC34-40F9-A0C2-C36076C80B22}" type="datetime1">
               <a:rPr lang="zh-CN" altLang="en-US" smtClean="0"/>
-              <a:t>2016/10/10</a:t>
+              <a:t>2016/11/2</a:t>
             </a:fld>
             <a:endParaRPr lang="zh-CN" altLang="en-US"/>
           </a:p>
@@ -9111,8 +9108,8 @@
           </a:p>
         </p:txBody>
       </p:sp>
-      <mc:AlternateContent xmlns:mc="http://schemas.openxmlformats.org/markup-compatibility/2006">
-        <mc:Choice xmlns:a14="http://schemas.microsoft.com/office/drawing/2010/main" Requires="a14">
+      <mc:AlternateContent xmlns:mc="http://schemas.openxmlformats.org/markup-compatibility/2006" xmlns:a14="http://schemas.microsoft.com/office/drawing/2010/main">
+        <mc:Choice Requires="a14">
           <p:sp>
             <p:nvSpPr>
               <p:cNvPr id="3" name="内容占位符 2"/>
@@ -9173,33 +9170,45 @@
                       <m:rPr>
                         <m:sty m:val="p"/>
                       </m:rPr>
-                      <a:rPr lang="en-US" altLang="zh-CN" sz="2400"/>
+                      <a:rPr lang="en-US" altLang="zh-CN" sz="2400">
+                        <a:latin typeface="Cambria Math" panose="02040503050406030204" pitchFamily="18" charset="0"/>
+                      </a:rPr>
                       <m:t>x</m:t>
                     </m:r>
                     <m:r>
-                      <a:rPr lang="en-US" altLang="zh-CN" sz="2400"/>
+                      <a:rPr lang="en-US" altLang="zh-CN" sz="2400">
+                        <a:latin typeface="Cambria Math" panose="02040503050406030204" pitchFamily="18" charset="0"/>
+                      </a:rPr>
                       <m:t>(</m:t>
                     </m:r>
                     <m:r>
                       <m:rPr>
                         <m:sty m:val="p"/>
                       </m:rPr>
-                      <a:rPr lang="en-US" altLang="zh-CN" sz="2400"/>
+                      <a:rPr lang="en-US" altLang="zh-CN" sz="2400">
+                        <a:latin typeface="Cambria Math" panose="02040503050406030204" pitchFamily="18" charset="0"/>
+                      </a:rPr>
                       <m:t>N</m:t>
                     </m:r>
                     <m:r>
-                      <a:rPr lang="en-US" altLang="zh-CN" sz="2400"/>
+                      <a:rPr lang="en-US" altLang="zh-CN" sz="2400">
+                        <a:latin typeface="Cambria Math" panose="02040503050406030204" pitchFamily="18" charset="0"/>
+                      </a:rPr>
                       <m:t>,</m:t>
                     </m:r>
                     <m:r>
                       <m:rPr>
                         <m:sty m:val="p"/>
                       </m:rPr>
-                      <a:rPr lang="en-US" altLang="zh-CN" sz="2400"/>
+                      <a:rPr lang="en-US" altLang="zh-CN" sz="2400">
+                        <a:latin typeface="Cambria Math" panose="02040503050406030204" pitchFamily="18" charset="0"/>
+                      </a:rPr>
                       <m:t>M</m:t>
                     </m:r>
                     <m:r>
-                      <a:rPr lang="en-US" altLang="zh-CN" sz="2400"/>
+                      <a:rPr lang="en-US" altLang="zh-CN" sz="2400">
+                        <a:latin typeface="Cambria Math" panose="02040503050406030204" pitchFamily="18" charset="0"/>
+                      </a:rPr>
                       <m:t>)</m:t>
                     </m:r>
                   </m:oMath>
@@ -9253,7 +9262,9 @@
                         <m:begChr m:val="["/>
                         <m:endChr m:val="]"/>
                         <m:ctrlPr>
-                          <a:rPr lang="zh-CN" altLang="zh-CN" sz="2400" i="1"/>
+                          <a:rPr lang="zh-CN" altLang="zh-CN" sz="2400" i="1">
+                            <a:latin typeface="Cambria Math" panose="02040503050406030204" pitchFamily="18" charset="0"/>
+                          </a:rPr>
                         </m:ctrlPr>
                       </m:dPr>
                       <m:e>
@@ -9261,44 +9272,60 @@
                           <m:rPr>
                             <m:sty m:val="p"/>
                           </m:rPr>
-                          <a:rPr lang="en-US" altLang="zh-CN" sz="2400"/>
+                          <a:rPr lang="en-US" altLang="zh-CN" sz="2400">
+                            <a:latin typeface="Cambria Math" panose="02040503050406030204" pitchFamily="18" charset="0"/>
+                          </a:rPr>
                           <m:t>δ</m:t>
                         </m:r>
                         <m:r>
-                          <a:rPr lang="en-US" altLang="zh-CN" sz="2400"/>
+                          <a:rPr lang="en-US" altLang="zh-CN" sz="2400">
+                            <a:latin typeface="Cambria Math" panose="02040503050406030204" pitchFamily="18" charset="0"/>
+                          </a:rPr>
                           <m:t>, 2</m:t>
                         </m:r>
                         <m:r>
                           <m:rPr>
                             <m:sty m:val="p"/>
                           </m:rPr>
-                          <a:rPr lang="en-US" altLang="zh-CN" sz="2400"/>
+                          <a:rPr lang="en-US" altLang="zh-CN" sz="2400">
+                            <a:latin typeface="Cambria Math" panose="02040503050406030204" pitchFamily="18" charset="0"/>
+                          </a:rPr>
                           <m:t>δ</m:t>
                         </m:r>
                         <m:r>
-                          <a:rPr lang="en-US" altLang="zh-CN" sz="2400"/>
+                          <a:rPr lang="en-US" altLang="zh-CN" sz="2400">
+                            <a:latin typeface="Cambria Math" panose="02040503050406030204" pitchFamily="18" charset="0"/>
+                          </a:rPr>
                           <m:t>, 3</m:t>
                         </m:r>
                         <m:r>
                           <m:rPr>
                             <m:sty m:val="p"/>
                           </m:rPr>
-                          <a:rPr lang="en-US" altLang="zh-CN" sz="2400"/>
+                          <a:rPr lang="en-US" altLang="zh-CN" sz="2400">
+                            <a:latin typeface="Cambria Math" panose="02040503050406030204" pitchFamily="18" charset="0"/>
+                          </a:rPr>
                           <m:t>δ</m:t>
                         </m:r>
                         <m:r>
-                          <a:rPr lang="en-US" altLang="zh-CN" sz="2400"/>
+                          <a:rPr lang="en-US" altLang="zh-CN" sz="2400">
+                            <a:latin typeface="Cambria Math" panose="02040503050406030204" pitchFamily="18" charset="0"/>
+                          </a:rPr>
                           <m:t>, …,</m:t>
                         </m:r>
                         <m:r>
                           <m:rPr>
                             <m:sty m:val="p"/>
                           </m:rPr>
-                          <a:rPr lang="en-US" altLang="zh-CN" sz="2400"/>
+                          <a:rPr lang="en-US" altLang="zh-CN" sz="2400">
+                            <a:latin typeface="Cambria Math" panose="02040503050406030204" pitchFamily="18" charset="0"/>
+                          </a:rPr>
                           <m:t>N</m:t>
                         </m:r>
                         <m:r>
-                          <a:rPr lang="en-US" altLang="zh-CN" sz="2400"/>
+                          <a:rPr lang="en-US" altLang="zh-CN" sz="2400">
+                            <a:latin typeface="Cambria Math" panose="02040503050406030204" pitchFamily="18" charset="0"/>
+                          </a:rPr>
                           <m:t> </m:t>
                         </m:r>
                       </m:e>
@@ -9322,11 +9349,7 @@
               <a:p>
                 <a:r>
                   <a:rPr lang="zh-CN" altLang="zh-CN" sz="2400" dirty="0"/>
-                  <a:t>对于</a:t>
-                </a:r>
-                <a:r>
-                  <a:rPr lang="zh-CN" altLang="zh-CN" sz="2400" dirty="0"/>
-                  <a:t>长度为</a:t>
+                  <a:t>对于长度为</a:t>
                 </a:r>
                 <a14:m>
                   <m:oMath xmlns:m="http://schemas.openxmlformats.org/officeDocument/2006/math">
@@ -9461,11 +9484,7 @@
                 </a14:m>
                 <a:r>
                   <a:rPr lang="zh-CN" altLang="zh-CN" sz="2400" dirty="0"/>
-                  <a:t>的测试集与训练集模型相似度</a:t>
-                </a:r>
-                <a:r>
-                  <a:rPr lang="zh-CN" altLang="zh-CN" sz="2400" dirty="0"/>
-                  <a:t>。</a:t>
+                  <a:t>的测试集与训练集模型相似度。</a:t>
                 </a:r>
                 <a:endParaRPr lang="en-US" altLang="zh-CN" sz="2800" dirty="0"/>
               </a:p>
@@ -9475,7 +9494,7 @@
             </p:txBody>
           </p:sp>
         </mc:Choice>
-        <mc:Fallback>
+        <mc:Fallback xmlns="">
           <p:sp>
             <p:nvSpPr>
               <p:cNvPr id="3" name="内容占位符 2"/>
